--- a/Projet Merise.pptx
+++ b/Projet Merise.pptx
@@ -7,10 +7,13 @@
   <p:sldIdLst>
     <p:sldId id="257" r:id="rId2"/>
     <p:sldId id="256" r:id="rId3"/>
-    <p:sldId id="258" r:id="rId4"/>
-    <p:sldId id="259" r:id="rId5"/>
+    <p:sldId id="262" r:id="rId4"/>
+    <p:sldId id="258" r:id="rId5"/>
     <p:sldId id="260" r:id="rId6"/>
-    <p:sldId id="261" r:id="rId7"/>
+    <p:sldId id="263" r:id="rId7"/>
+    <p:sldId id="259" r:id="rId8"/>
+    <p:sldId id="261" r:id="rId9"/>
+    <p:sldId id="264" r:id="rId10"/>
   </p:sldIdLst>
   <p:sldSz cx="12192000" cy="6858000"/>
   <p:notesSz cx="6858000" cy="9144000"/>
@@ -6262,7 +6265,7 @@
         <p:spPr>
           <a:xfrm>
             <a:off x="1683171" y="2305615"/>
-            <a:ext cx="8089557" cy="2246769"/>
+            <a:ext cx="8089557" cy="2677656"/>
           </a:xfrm>
           <a:prstGeom prst="rect">
             <a:avLst/>
@@ -6281,8 +6284,13 @@
             </a:pPr>
             <a:r>
               <a:rPr lang="fr-FR" sz="2800" dirty="0"/>
-              <a:t>Organisation des tâches</a:t>
-            </a:r>
+              <a:t>Présentation de </a:t>
+            </a:r>
+            <a:r>
+              <a:rPr lang="fr-FR" sz="2800" dirty="0" err="1"/>
+              <a:t>Multimax</a:t>
+            </a:r>
+            <a:endParaRPr lang="fr-FR" sz="2800" dirty="0"/>
           </a:p>
           <a:p>
             <a:pPr marL="285750" indent="-285750">
@@ -6291,7 +6299,7 @@
             </a:pPr>
             <a:r>
               <a:rPr lang="fr-FR" sz="2800" dirty="0"/>
-              <a:t>MCT</a:t>
+              <a:t>Organisation des tâches</a:t>
             </a:r>
           </a:p>
           <a:p>
@@ -6301,7 +6309,7 @@
             </a:pPr>
             <a:r>
               <a:rPr lang="fr-FR" sz="2800" dirty="0"/>
-              <a:t>MCD</a:t>
+              <a:t>MCD : Quoi ?</a:t>
             </a:r>
           </a:p>
           <a:p>
@@ -6311,7 +6319,7 @@
             </a:pPr>
             <a:r>
               <a:rPr lang="fr-FR" sz="2800" dirty="0"/>
-              <a:t>MLD</a:t>
+              <a:t>MLD : Qui ? Quand ? Où ?</a:t>
             </a:r>
           </a:p>
           <a:p>
@@ -6321,7 +6329,17 @@
             </a:pPr>
             <a:r>
               <a:rPr lang="fr-FR" sz="2800" dirty="0"/>
-              <a:t>MPD </a:t>
+              <a:t>MCT : Quoi ?</a:t>
+            </a:r>
+          </a:p>
+          <a:p>
+            <a:pPr marL="285750" indent="-285750">
+              <a:buFont typeface="Arial" panose="020B0604020202020204" pitchFamily="34" charset="0"/>
+              <a:buChar char="•"/>
+            </a:pPr>
+            <a:r>
+              <a:rPr lang="fr-FR" sz="2800" dirty="0"/>
+              <a:t>MPD : Comment ?</a:t>
             </a:r>
           </a:p>
         </p:txBody>
@@ -6408,6 +6426,389 @@
           <p:cNvPr id="2" name="Titre 1">
             <a:extLst>
               <a:ext uri="{FF2B5EF4-FFF2-40B4-BE49-F238E27FC236}">
+                <a16:creationId xmlns:a16="http://schemas.microsoft.com/office/drawing/2014/main" id="{658C5EF4-C83C-4EA3-B359-362578DCA751}"/>
+              </a:ext>
+            </a:extLst>
+          </p:cNvPr>
+          <p:cNvSpPr>
+            <a:spLocks noGrp="1"/>
+          </p:cNvSpPr>
+          <p:nvPr>
+            <p:ph type="title"/>
+          </p:nvPr>
+        </p:nvSpPr>
+        <p:spPr>
+          <a:xfrm>
+            <a:off x="645130" y="242835"/>
+            <a:ext cx="9404723" cy="733531"/>
+          </a:xfrm>
+        </p:spPr>
+        <p:txBody>
+          <a:bodyPr/>
+          <a:lstStyle/>
+          <a:p>
+            <a:pPr algn="ctr"/>
+            <a:r>
+              <a:rPr lang="fr-FR" b="1" dirty="0">
+                <a:effectLst>
+                  <a:outerShdw blurRad="38100" dist="38100" dir="2700000" algn="tl">
+                    <a:srgbClr val="000000">
+                      <a:alpha val="43137"/>
+                    </a:srgbClr>
+                  </a:outerShdw>
+                </a:effectLst>
+              </a:rPr>
+              <a:t>Présentation de </a:t>
+            </a:r>
+            <a:r>
+              <a:rPr lang="fr-FR" b="1" dirty="0" err="1">
+                <a:effectLst>
+                  <a:outerShdw blurRad="38100" dist="38100" dir="2700000" algn="tl">
+                    <a:srgbClr val="000000">
+                      <a:alpha val="43137"/>
+                    </a:srgbClr>
+                  </a:outerShdw>
+                </a:effectLst>
+              </a:rPr>
+              <a:t>Multimax</a:t>
+            </a:r>
+            <a:endParaRPr lang="fr-FR" b="1" dirty="0">
+              <a:effectLst>
+                <a:outerShdw blurRad="38100" dist="38100" dir="2700000" algn="tl">
+                  <a:srgbClr val="000000">
+                    <a:alpha val="43137"/>
+                  </a:srgbClr>
+                </a:outerShdw>
+              </a:effectLst>
+            </a:endParaRPr>
+          </a:p>
+        </p:txBody>
+      </p:sp>
+      <p:pic>
+        <p:nvPicPr>
+          <p:cNvPr id="5" name="Image 4">
+            <a:extLst>
+              <a:ext uri="{FF2B5EF4-FFF2-40B4-BE49-F238E27FC236}">
+                <a16:creationId xmlns:a16="http://schemas.microsoft.com/office/drawing/2014/main" id="{056E489A-2E4E-4A95-BCD2-A59D1B503403}"/>
+              </a:ext>
+            </a:extLst>
+          </p:cNvPr>
+          <p:cNvPicPr>
+            <a:picLocks noChangeAspect="1"/>
+          </p:cNvPicPr>
+          <p:nvPr/>
+        </p:nvPicPr>
+        <p:blipFill>
+          <a:blip r:embed="rId2"/>
+          <a:stretch>
+            <a:fillRect/>
+          </a:stretch>
+        </p:blipFill>
+        <p:spPr>
+          <a:xfrm>
+            <a:off x="1538903" y="1101020"/>
+            <a:ext cx="2428600" cy="2506471"/>
+          </a:xfrm>
+          <a:prstGeom prst="rect">
+            <a:avLst/>
+          </a:prstGeom>
+        </p:spPr>
+      </p:pic>
+      <p:pic>
+        <p:nvPicPr>
+          <p:cNvPr id="9" name="Image 8">
+            <a:extLst>
+              <a:ext uri="{FF2B5EF4-FFF2-40B4-BE49-F238E27FC236}">
+                <a16:creationId xmlns:a16="http://schemas.microsoft.com/office/drawing/2014/main" id="{3C8E4D4F-29CF-42DA-9C38-6A407617EA1D}"/>
+              </a:ext>
+            </a:extLst>
+          </p:cNvPr>
+          <p:cNvPicPr>
+            <a:picLocks noChangeAspect="1"/>
+          </p:cNvPicPr>
+          <p:nvPr/>
+        </p:nvPicPr>
+        <p:blipFill>
+          <a:blip r:embed="rId3"/>
+          <a:stretch>
+            <a:fillRect/>
+          </a:stretch>
+        </p:blipFill>
+        <p:spPr>
+          <a:xfrm>
+            <a:off x="4379262" y="1591755"/>
+            <a:ext cx="6273835" cy="1764759"/>
+          </a:xfrm>
+          <a:prstGeom prst="rect">
+            <a:avLst/>
+          </a:prstGeom>
+        </p:spPr>
+      </p:pic>
+      <p:pic>
+        <p:nvPicPr>
+          <p:cNvPr id="4" name="Image 3">
+            <a:extLst>
+              <a:ext uri="{FF2B5EF4-FFF2-40B4-BE49-F238E27FC236}">
+                <a16:creationId xmlns:a16="http://schemas.microsoft.com/office/drawing/2014/main" id="{0EF64064-00CC-462E-9E27-5E6928C88521}"/>
+              </a:ext>
+            </a:extLst>
+          </p:cNvPr>
+          <p:cNvPicPr>
+            <a:picLocks noChangeAspect="1"/>
+          </p:cNvPicPr>
+          <p:nvPr/>
+        </p:nvPicPr>
+        <p:blipFill>
+          <a:blip r:embed="rId4"/>
+          <a:stretch>
+            <a:fillRect/>
+          </a:stretch>
+        </p:blipFill>
+        <p:spPr>
+          <a:xfrm>
+            <a:off x="1754660" y="3732145"/>
+            <a:ext cx="7768281" cy="2883020"/>
+          </a:xfrm>
+          <a:prstGeom prst="rect">
+            <a:avLst/>
+          </a:prstGeom>
+        </p:spPr>
+      </p:pic>
+      <p:sp>
+        <p:nvSpPr>
+          <p:cNvPr id="7" name="ZoneTexte 6">
+            <a:extLst>
+              <a:ext uri="{FF2B5EF4-FFF2-40B4-BE49-F238E27FC236}">
+                <a16:creationId xmlns:a16="http://schemas.microsoft.com/office/drawing/2014/main" id="{7D2EF849-8405-4136-B4B6-1F0881B6B578}"/>
+              </a:ext>
+            </a:extLst>
+          </p:cNvPr>
+          <p:cNvSpPr txBox="1"/>
+          <p:nvPr/>
+        </p:nvSpPr>
+        <p:spPr>
+          <a:xfrm>
+            <a:off x="10650555" y="667264"/>
+            <a:ext cx="295612" cy="369332"/>
+          </a:xfrm>
+          <a:prstGeom prst="rect">
+            <a:avLst/>
+          </a:prstGeom>
+          <a:noFill/>
+        </p:spPr>
+        <p:txBody>
+          <a:bodyPr wrap="square" rtlCol="0">
+            <a:spAutoFit/>
+          </a:bodyPr>
+          <a:lstStyle/>
+          <a:p>
+            <a:r>
+              <a:rPr lang="fr-FR" dirty="0"/>
+              <a:t>3</a:t>
+            </a:r>
+          </a:p>
+        </p:txBody>
+      </p:sp>
+    </p:spTree>
+    <p:extLst>
+      <p:ext uri="{BB962C8B-B14F-4D97-AF65-F5344CB8AC3E}">
+        <p14:creationId xmlns:p14="http://schemas.microsoft.com/office/powerpoint/2010/main" val="1847254578"/>
+      </p:ext>
+    </p:extLst>
+  </p:cSld>
+  <p:clrMapOvr>
+    <a:masterClrMapping/>
+  </p:clrMapOvr>
+  <mc:AlternateContent xmlns:mc="http://schemas.openxmlformats.org/markup-compatibility/2006" xmlns:p14="http://schemas.microsoft.com/office/powerpoint/2010/main">
+    <mc:Choice Requires="p14">
+      <p:transition spd="med" p14:dur="700">
+        <p:fade/>
+      </p:transition>
+    </mc:Choice>
+    <mc:Fallback xmlns="">
+      <p:transition spd="med">
+        <p:fade/>
+      </p:transition>
+    </mc:Fallback>
+  </mc:AlternateContent>
+  <p:timing>
+    <p:tnLst>
+      <p:par>
+        <p:cTn id="1" dur="indefinite" restart="never" nodeType="tmRoot">
+          <p:childTnLst>
+            <p:seq concurrent="1" nextAc="seek">
+              <p:cTn id="2" dur="indefinite" nodeType="mainSeq">
+                <p:childTnLst>
+                  <p:par>
+                    <p:cTn id="3" fill="hold">
+                      <p:stCondLst>
+                        <p:cond delay="indefinite"/>
+                      </p:stCondLst>
+                      <p:childTnLst>
+                        <p:par>
+                          <p:cTn id="4" fill="hold">
+                            <p:stCondLst>
+                              <p:cond delay="0"/>
+                            </p:stCondLst>
+                            <p:childTnLst>
+                              <p:par>
+                                <p:cTn id="5" presetID="10" presetClass="entr" presetSubtype="0" fill="hold" nodeType="clickEffect">
+                                  <p:stCondLst>
+                                    <p:cond delay="0"/>
+                                  </p:stCondLst>
+                                  <p:childTnLst>
+                                    <p:set>
+                                      <p:cBhvr>
+                                        <p:cTn id="6" dur="1" fill="hold">
+                                          <p:stCondLst>
+                                            <p:cond delay="0"/>
+                                          </p:stCondLst>
+                                        </p:cTn>
+                                        <p:tgtEl>
+                                          <p:spTgt spid="9"/>
+                                        </p:tgtEl>
+                                        <p:attrNameLst>
+                                          <p:attrName>style.visibility</p:attrName>
+                                        </p:attrNameLst>
+                                      </p:cBhvr>
+                                      <p:to>
+                                        <p:strVal val="visible"/>
+                                      </p:to>
+                                    </p:set>
+                                    <p:animEffect transition="in" filter="fade">
+                                      <p:cBhvr>
+                                        <p:cTn id="7" dur="500"/>
+                                        <p:tgtEl>
+                                          <p:spTgt spid="9"/>
+                                        </p:tgtEl>
+                                      </p:cBhvr>
+                                    </p:animEffect>
+                                  </p:childTnLst>
+                                </p:cTn>
+                              </p:par>
+                              <p:par>
+                                <p:cTn id="8" presetID="10" presetClass="entr" presetSubtype="0" fill="hold" nodeType="withEffect">
+                                  <p:stCondLst>
+                                    <p:cond delay="0"/>
+                                  </p:stCondLst>
+                                  <p:childTnLst>
+                                    <p:set>
+                                      <p:cBhvr>
+                                        <p:cTn id="9" dur="1" fill="hold">
+                                          <p:stCondLst>
+                                            <p:cond delay="0"/>
+                                          </p:stCondLst>
+                                        </p:cTn>
+                                        <p:tgtEl>
+                                          <p:spTgt spid="5"/>
+                                        </p:tgtEl>
+                                        <p:attrNameLst>
+                                          <p:attrName>style.visibility</p:attrName>
+                                        </p:attrNameLst>
+                                      </p:cBhvr>
+                                      <p:to>
+                                        <p:strVal val="visible"/>
+                                      </p:to>
+                                    </p:set>
+                                    <p:animEffect transition="in" filter="fade">
+                                      <p:cBhvr>
+                                        <p:cTn id="10" dur="500"/>
+                                        <p:tgtEl>
+                                          <p:spTgt spid="5"/>
+                                        </p:tgtEl>
+                                      </p:cBhvr>
+                                    </p:animEffect>
+                                  </p:childTnLst>
+                                </p:cTn>
+                              </p:par>
+                              <p:par>
+                                <p:cTn id="11" presetID="10" presetClass="entr" presetSubtype="0" fill="hold" nodeType="withEffect">
+                                  <p:stCondLst>
+                                    <p:cond delay="0"/>
+                                  </p:stCondLst>
+                                  <p:childTnLst>
+                                    <p:set>
+                                      <p:cBhvr>
+                                        <p:cTn id="12" dur="1" fill="hold">
+                                          <p:stCondLst>
+                                            <p:cond delay="0"/>
+                                          </p:stCondLst>
+                                        </p:cTn>
+                                        <p:tgtEl>
+                                          <p:spTgt spid="4"/>
+                                        </p:tgtEl>
+                                        <p:attrNameLst>
+                                          <p:attrName>style.visibility</p:attrName>
+                                        </p:attrNameLst>
+                                      </p:cBhvr>
+                                      <p:to>
+                                        <p:strVal val="visible"/>
+                                      </p:to>
+                                    </p:set>
+                                    <p:animEffect transition="in" filter="fade">
+                                      <p:cBhvr>
+                                        <p:cTn id="13" dur="500"/>
+                                        <p:tgtEl>
+                                          <p:spTgt spid="4"/>
+                                        </p:tgtEl>
+                                      </p:cBhvr>
+                                    </p:animEffect>
+                                  </p:childTnLst>
+                                </p:cTn>
+                              </p:par>
+                            </p:childTnLst>
+                          </p:cTn>
+                        </p:par>
+                      </p:childTnLst>
+                    </p:cTn>
+                  </p:par>
+                </p:childTnLst>
+              </p:cTn>
+              <p:prevCondLst>
+                <p:cond evt="onPrev" delay="0">
+                  <p:tgtEl>
+                    <p:sldTgt/>
+                  </p:tgtEl>
+                </p:cond>
+              </p:prevCondLst>
+              <p:nextCondLst>
+                <p:cond evt="onNext" delay="0">
+                  <p:tgtEl>
+                    <p:sldTgt/>
+                  </p:tgtEl>
+                </p:cond>
+              </p:nextCondLst>
+            </p:seq>
+          </p:childTnLst>
+        </p:cTn>
+      </p:par>
+    </p:tnLst>
+  </p:timing>
+</p:sld>
+</file>
+
+<file path=ppt/slides/slide4.xml><?xml version="1.0" encoding="utf-8"?>
+<p:sld xmlns:a="http://schemas.openxmlformats.org/drawingml/2006/main" xmlns:r="http://schemas.openxmlformats.org/officeDocument/2006/relationships" xmlns:p="http://schemas.openxmlformats.org/presentationml/2006/main">
+  <p:cSld>
+    <p:spTree>
+      <p:nvGrpSpPr>
+        <p:cNvPr id="1" name=""/>
+        <p:cNvGrpSpPr/>
+        <p:nvPr/>
+      </p:nvGrpSpPr>
+      <p:grpSpPr>
+        <a:xfrm>
+          <a:off x="0" y="0"/>
+          <a:ext cx="0" cy="0"/>
+          <a:chOff x="0" y="0"/>
+          <a:chExt cx="0" cy="0"/>
+        </a:xfrm>
+      </p:grpSpPr>
+      <p:sp>
+        <p:nvSpPr>
+          <p:cNvPr id="2" name="Titre 1">
+            <a:extLst>
+              <a:ext uri="{FF2B5EF4-FFF2-40B4-BE49-F238E27FC236}">
                 <a16:creationId xmlns:a16="http://schemas.microsoft.com/office/drawing/2014/main" id="{C57049B2-8ABF-4220-A3CB-D4BFABBD6B00}"/>
               </a:ext>
             </a:extLst>
@@ -6530,8 +6931,8 @@
         </p:nvSpPr>
         <p:spPr>
           <a:xfrm>
-            <a:off x="10641908" y="667264"/>
-            <a:ext cx="312906" cy="369332"/>
+            <a:off x="10650555" y="667264"/>
+            <a:ext cx="295612" cy="369332"/>
           </a:xfrm>
           <a:prstGeom prst="rect">
             <a:avLst/>
@@ -6539,14 +6940,14 @@
           <a:noFill/>
         </p:spPr>
         <p:txBody>
-          <a:bodyPr wrap="none" rtlCol="0">
+          <a:bodyPr wrap="square" rtlCol="0">
             <a:spAutoFit/>
           </a:bodyPr>
           <a:lstStyle/>
           <a:p>
             <a:r>
               <a:rPr lang="fr-FR" dirty="0"/>
-              <a:t>3</a:t>
+              <a:t>4</a:t>
             </a:r>
           </a:p>
         </p:txBody>
@@ -6759,155 +7160,6 @@
 </p:sld>
 </file>
 
-<file path=ppt/slides/slide4.xml><?xml version="1.0" encoding="utf-8"?>
-<p:sld xmlns:a="http://schemas.openxmlformats.org/drawingml/2006/main" xmlns:r="http://schemas.openxmlformats.org/officeDocument/2006/relationships" xmlns:p="http://schemas.openxmlformats.org/presentationml/2006/main">
-  <p:cSld>
-    <p:spTree>
-      <p:nvGrpSpPr>
-        <p:cNvPr id="1" name=""/>
-        <p:cNvGrpSpPr/>
-        <p:nvPr/>
-      </p:nvGrpSpPr>
-      <p:grpSpPr>
-        <a:xfrm>
-          <a:off x="0" y="0"/>
-          <a:ext cx="0" cy="0"/>
-          <a:chOff x="0" y="0"/>
-          <a:chExt cx="0" cy="0"/>
-        </a:xfrm>
-      </p:grpSpPr>
-      <p:sp>
-        <p:nvSpPr>
-          <p:cNvPr id="2" name="Titre 1">
-            <a:extLst>
-              <a:ext uri="{FF2B5EF4-FFF2-40B4-BE49-F238E27FC236}">
-                <a16:creationId xmlns:a16="http://schemas.microsoft.com/office/drawing/2014/main" id="{245C5C2A-B3A4-4FE4-B082-2DB3550EA2AE}"/>
-              </a:ext>
-            </a:extLst>
-          </p:cNvPr>
-          <p:cNvSpPr>
-            <a:spLocks noGrp="1"/>
-          </p:cNvSpPr>
-          <p:nvPr>
-            <p:ph type="title"/>
-          </p:nvPr>
-        </p:nvSpPr>
-        <p:spPr>
-          <a:xfrm>
-            <a:off x="1393637" y="98855"/>
-            <a:ext cx="9404723" cy="790156"/>
-          </a:xfrm>
-        </p:spPr>
-        <p:txBody>
-          <a:bodyPr/>
-          <a:lstStyle/>
-          <a:p>
-            <a:pPr algn="ctr"/>
-            <a:r>
-              <a:rPr lang="fr-FR" b="1" dirty="0">
-                <a:effectLst>
-                  <a:outerShdw blurRad="38100" dist="38100" dir="2700000" algn="tl">
-                    <a:srgbClr val="000000">
-                      <a:alpha val="43137"/>
-                    </a:srgbClr>
-                  </a:outerShdw>
-                </a:effectLst>
-              </a:rPr>
-              <a:t>MCT</a:t>
-            </a:r>
-          </a:p>
-        </p:txBody>
-      </p:sp>
-      <p:sp>
-        <p:nvSpPr>
-          <p:cNvPr id="3" name="ZoneTexte 2">
-            <a:extLst>
-              <a:ext uri="{FF2B5EF4-FFF2-40B4-BE49-F238E27FC236}">
-                <a16:creationId xmlns:a16="http://schemas.microsoft.com/office/drawing/2014/main" id="{52314CC3-095B-45E8-BDBB-0B29E9ABE920}"/>
-              </a:ext>
-            </a:extLst>
-          </p:cNvPr>
-          <p:cNvSpPr txBox="1"/>
-          <p:nvPr/>
-        </p:nvSpPr>
-        <p:spPr>
-          <a:xfrm>
-            <a:off x="10641908" y="667264"/>
-            <a:ext cx="312906" cy="369332"/>
-          </a:xfrm>
-          <a:prstGeom prst="rect">
-            <a:avLst/>
-          </a:prstGeom>
-          <a:noFill/>
-        </p:spPr>
-        <p:txBody>
-          <a:bodyPr wrap="none" rtlCol="0">
-            <a:spAutoFit/>
-          </a:bodyPr>
-          <a:lstStyle/>
-          <a:p>
-            <a:r>
-              <a:rPr lang="fr-FR" dirty="0"/>
-              <a:t>4</a:t>
-            </a:r>
-          </a:p>
-        </p:txBody>
-      </p:sp>
-      <p:pic>
-        <p:nvPicPr>
-          <p:cNvPr id="4" name="Image 3">
-            <a:extLst>
-              <a:ext uri="{FF2B5EF4-FFF2-40B4-BE49-F238E27FC236}">
-                <a16:creationId xmlns:a16="http://schemas.microsoft.com/office/drawing/2014/main" id="{A5BB3530-37AF-40B6-B018-DBCADD2BD42C}"/>
-              </a:ext>
-            </a:extLst>
-          </p:cNvPr>
-          <p:cNvPicPr>
-            <a:picLocks noChangeAspect="1"/>
-          </p:cNvPicPr>
-          <p:nvPr/>
-        </p:nvPicPr>
-        <p:blipFill>
-          <a:blip r:embed="rId2"/>
-          <a:stretch>
-            <a:fillRect/>
-          </a:stretch>
-        </p:blipFill>
-        <p:spPr>
-          <a:xfrm>
-            <a:off x="2474314" y="862084"/>
-            <a:ext cx="7243371" cy="5897061"/>
-          </a:xfrm>
-          <a:prstGeom prst="rect">
-            <a:avLst/>
-          </a:prstGeom>
-        </p:spPr>
-      </p:pic>
-    </p:spTree>
-    <p:extLst>
-      <p:ext uri="{BB962C8B-B14F-4D97-AF65-F5344CB8AC3E}">
-        <p14:creationId xmlns:p14="http://schemas.microsoft.com/office/powerpoint/2010/main" val="2731829723"/>
-      </p:ext>
-    </p:extLst>
-  </p:cSld>
-  <p:clrMapOvr>
-    <a:masterClrMapping/>
-  </p:clrMapOvr>
-  <mc:AlternateContent xmlns:mc="http://schemas.openxmlformats.org/markup-compatibility/2006" xmlns:p14="http://schemas.microsoft.com/office/powerpoint/2010/main">
-    <mc:Choice Requires="p14">
-      <p:transition spd="med" p14:dur="700">
-        <p:fade/>
-      </p:transition>
-    </mc:Choice>
-    <mc:Fallback xmlns="">
-      <p:transition spd="med">
-        <p:fade/>
-      </p:transition>
-    </mc:Fallback>
-  </mc:AlternateContent>
-</p:sld>
-</file>
-
 <file path=ppt/slides/slide5.xml><?xml version="1.0" encoding="utf-8"?>
 <p:sld xmlns:a="http://schemas.openxmlformats.org/drawingml/2006/main" xmlns:r="http://schemas.openxmlformats.org/officeDocument/2006/relationships" xmlns:p="http://schemas.openxmlformats.org/presentationml/2006/main">
   <p:cSld>
@@ -7079,6 +7331,304 @@
           <p:cNvPr id="2" name="Titre 1">
             <a:extLst>
               <a:ext uri="{FF2B5EF4-FFF2-40B4-BE49-F238E27FC236}">
+                <a16:creationId xmlns:a16="http://schemas.microsoft.com/office/drawing/2014/main" id="{9EDAFC85-61F7-4BAD-9452-5651DF32C84D}"/>
+              </a:ext>
+            </a:extLst>
+          </p:cNvPr>
+          <p:cNvSpPr>
+            <a:spLocks noGrp="1"/>
+          </p:cNvSpPr>
+          <p:nvPr>
+            <p:ph type="title"/>
+          </p:nvPr>
+        </p:nvSpPr>
+        <p:spPr>
+          <a:xfrm>
+            <a:off x="959149" y="197527"/>
+            <a:ext cx="9404723" cy="824147"/>
+          </a:xfrm>
+        </p:spPr>
+        <p:txBody>
+          <a:bodyPr/>
+          <a:lstStyle/>
+          <a:p>
+            <a:pPr algn="ctr"/>
+            <a:r>
+              <a:rPr lang="fr-FR" b="1" dirty="0">
+                <a:effectLst>
+                  <a:outerShdw blurRad="38100" dist="38100" dir="2700000" algn="tl">
+                    <a:srgbClr val="000000">
+                      <a:alpha val="43137"/>
+                    </a:srgbClr>
+                  </a:outerShdw>
+                </a:effectLst>
+              </a:rPr>
+              <a:t>MLD</a:t>
+            </a:r>
+          </a:p>
+        </p:txBody>
+      </p:sp>
+      <p:pic>
+        <p:nvPicPr>
+          <p:cNvPr id="5" name="Image 4">
+            <a:extLst>
+              <a:ext uri="{FF2B5EF4-FFF2-40B4-BE49-F238E27FC236}">
+                <a16:creationId xmlns:a16="http://schemas.microsoft.com/office/drawing/2014/main" id="{D13B4B2B-9EF9-4212-96AD-9A4C38F39D95}"/>
+              </a:ext>
+            </a:extLst>
+          </p:cNvPr>
+          <p:cNvPicPr>
+            <a:picLocks noChangeAspect="1"/>
+          </p:cNvPicPr>
+          <p:nvPr/>
+        </p:nvPicPr>
+        <p:blipFill>
+          <a:blip r:embed="rId2"/>
+          <a:stretch>
+            <a:fillRect/>
+          </a:stretch>
+        </p:blipFill>
+        <p:spPr>
+          <a:xfrm>
+            <a:off x="428367" y="2368450"/>
+            <a:ext cx="11335265" cy="2121099"/>
+          </a:xfrm>
+          <a:prstGeom prst="rect">
+            <a:avLst/>
+          </a:prstGeom>
+        </p:spPr>
+      </p:pic>
+      <p:sp>
+        <p:nvSpPr>
+          <p:cNvPr id="6" name="ZoneTexte 5">
+            <a:extLst>
+              <a:ext uri="{FF2B5EF4-FFF2-40B4-BE49-F238E27FC236}">
+                <a16:creationId xmlns:a16="http://schemas.microsoft.com/office/drawing/2014/main" id="{03F96741-3944-4DC5-A524-6870D33C3607}"/>
+              </a:ext>
+            </a:extLst>
+          </p:cNvPr>
+          <p:cNvSpPr txBox="1"/>
+          <p:nvPr/>
+        </p:nvSpPr>
+        <p:spPr>
+          <a:xfrm>
+            <a:off x="10641908" y="667264"/>
+            <a:ext cx="312906" cy="369332"/>
+          </a:xfrm>
+          <a:prstGeom prst="rect">
+            <a:avLst/>
+          </a:prstGeom>
+          <a:noFill/>
+        </p:spPr>
+        <p:txBody>
+          <a:bodyPr wrap="none" rtlCol="0">
+            <a:spAutoFit/>
+          </a:bodyPr>
+          <a:lstStyle/>
+          <a:p>
+            <a:r>
+              <a:rPr lang="fr-FR" dirty="0"/>
+              <a:t>6</a:t>
+            </a:r>
+          </a:p>
+        </p:txBody>
+      </p:sp>
+    </p:spTree>
+    <p:extLst>
+      <p:ext uri="{BB962C8B-B14F-4D97-AF65-F5344CB8AC3E}">
+        <p14:creationId xmlns:p14="http://schemas.microsoft.com/office/powerpoint/2010/main" val="4038181122"/>
+      </p:ext>
+    </p:extLst>
+  </p:cSld>
+  <p:clrMapOvr>
+    <a:masterClrMapping/>
+  </p:clrMapOvr>
+  <mc:AlternateContent xmlns:mc="http://schemas.openxmlformats.org/markup-compatibility/2006">
+    <mc:Choice xmlns:p14="http://schemas.microsoft.com/office/powerpoint/2010/main" Requires="p14">
+      <p:transition spd="med" p14:dur="700">
+        <p:fade/>
+      </p:transition>
+    </mc:Choice>
+    <mc:Fallback>
+      <p:transition spd="med">
+        <p:fade/>
+      </p:transition>
+    </mc:Fallback>
+  </mc:AlternateContent>
+</p:sld>
+</file>
+
+<file path=ppt/slides/slide7.xml><?xml version="1.0" encoding="utf-8"?>
+<p:sld xmlns:a="http://schemas.openxmlformats.org/drawingml/2006/main" xmlns:r="http://schemas.openxmlformats.org/officeDocument/2006/relationships" xmlns:p="http://schemas.openxmlformats.org/presentationml/2006/main">
+  <p:cSld>
+    <p:spTree>
+      <p:nvGrpSpPr>
+        <p:cNvPr id="1" name=""/>
+        <p:cNvGrpSpPr/>
+        <p:nvPr/>
+      </p:nvGrpSpPr>
+      <p:grpSpPr>
+        <a:xfrm>
+          <a:off x="0" y="0"/>
+          <a:ext cx="0" cy="0"/>
+          <a:chOff x="0" y="0"/>
+          <a:chExt cx="0" cy="0"/>
+        </a:xfrm>
+      </p:grpSpPr>
+      <p:sp>
+        <p:nvSpPr>
+          <p:cNvPr id="2" name="Titre 1">
+            <a:extLst>
+              <a:ext uri="{FF2B5EF4-FFF2-40B4-BE49-F238E27FC236}">
+                <a16:creationId xmlns:a16="http://schemas.microsoft.com/office/drawing/2014/main" id="{245C5C2A-B3A4-4FE4-B082-2DB3550EA2AE}"/>
+              </a:ext>
+            </a:extLst>
+          </p:cNvPr>
+          <p:cNvSpPr>
+            <a:spLocks noGrp="1"/>
+          </p:cNvSpPr>
+          <p:nvPr>
+            <p:ph type="title"/>
+          </p:nvPr>
+        </p:nvSpPr>
+        <p:spPr>
+          <a:xfrm>
+            <a:off x="1393637" y="98855"/>
+            <a:ext cx="9404723" cy="790156"/>
+          </a:xfrm>
+        </p:spPr>
+        <p:txBody>
+          <a:bodyPr/>
+          <a:lstStyle/>
+          <a:p>
+            <a:pPr algn="ctr"/>
+            <a:r>
+              <a:rPr lang="fr-FR" b="1" dirty="0">
+                <a:effectLst>
+                  <a:outerShdw blurRad="38100" dist="38100" dir="2700000" algn="tl">
+                    <a:srgbClr val="000000">
+                      <a:alpha val="43137"/>
+                    </a:srgbClr>
+                  </a:outerShdw>
+                </a:effectLst>
+              </a:rPr>
+              <a:t>MCT</a:t>
+            </a:r>
+          </a:p>
+        </p:txBody>
+      </p:sp>
+      <p:sp>
+        <p:nvSpPr>
+          <p:cNvPr id="3" name="ZoneTexte 2">
+            <a:extLst>
+              <a:ext uri="{FF2B5EF4-FFF2-40B4-BE49-F238E27FC236}">
+                <a16:creationId xmlns:a16="http://schemas.microsoft.com/office/drawing/2014/main" id="{52314CC3-095B-45E8-BDBB-0B29E9ABE920}"/>
+              </a:ext>
+            </a:extLst>
+          </p:cNvPr>
+          <p:cNvSpPr txBox="1"/>
+          <p:nvPr/>
+        </p:nvSpPr>
+        <p:spPr>
+          <a:xfrm>
+            <a:off x="10641908" y="667264"/>
+            <a:ext cx="312906" cy="369332"/>
+          </a:xfrm>
+          <a:prstGeom prst="rect">
+            <a:avLst/>
+          </a:prstGeom>
+          <a:noFill/>
+        </p:spPr>
+        <p:txBody>
+          <a:bodyPr wrap="none" rtlCol="0">
+            <a:spAutoFit/>
+          </a:bodyPr>
+          <a:lstStyle/>
+          <a:p>
+            <a:r>
+              <a:rPr lang="fr-FR" dirty="0"/>
+              <a:t>7</a:t>
+            </a:r>
+          </a:p>
+        </p:txBody>
+      </p:sp>
+      <p:pic>
+        <p:nvPicPr>
+          <p:cNvPr id="4" name="Image 3">
+            <a:extLst>
+              <a:ext uri="{FF2B5EF4-FFF2-40B4-BE49-F238E27FC236}">
+                <a16:creationId xmlns:a16="http://schemas.microsoft.com/office/drawing/2014/main" id="{A5BB3530-37AF-40B6-B018-DBCADD2BD42C}"/>
+              </a:ext>
+            </a:extLst>
+          </p:cNvPr>
+          <p:cNvPicPr>
+            <a:picLocks noChangeAspect="1"/>
+          </p:cNvPicPr>
+          <p:nvPr/>
+        </p:nvPicPr>
+        <p:blipFill>
+          <a:blip r:embed="rId2"/>
+          <a:stretch>
+            <a:fillRect/>
+          </a:stretch>
+        </p:blipFill>
+        <p:spPr>
+          <a:xfrm>
+            <a:off x="2474314" y="862084"/>
+            <a:ext cx="7243371" cy="5897061"/>
+          </a:xfrm>
+          <a:prstGeom prst="rect">
+            <a:avLst/>
+          </a:prstGeom>
+        </p:spPr>
+      </p:pic>
+    </p:spTree>
+    <p:extLst>
+      <p:ext uri="{BB962C8B-B14F-4D97-AF65-F5344CB8AC3E}">
+        <p14:creationId xmlns:p14="http://schemas.microsoft.com/office/powerpoint/2010/main" val="2731829723"/>
+      </p:ext>
+    </p:extLst>
+  </p:cSld>
+  <p:clrMapOvr>
+    <a:masterClrMapping/>
+  </p:clrMapOvr>
+  <mc:AlternateContent xmlns:mc="http://schemas.openxmlformats.org/markup-compatibility/2006" xmlns:p14="http://schemas.microsoft.com/office/powerpoint/2010/main">
+    <mc:Choice Requires="p14">
+      <p:transition spd="med" p14:dur="700">
+        <p:fade/>
+      </p:transition>
+    </mc:Choice>
+    <mc:Fallback xmlns="">
+      <p:transition spd="med">
+        <p:fade/>
+      </p:transition>
+    </mc:Fallback>
+  </mc:AlternateContent>
+</p:sld>
+</file>
+
+<file path=ppt/slides/slide8.xml><?xml version="1.0" encoding="utf-8"?>
+<p:sld xmlns:a="http://schemas.openxmlformats.org/drawingml/2006/main" xmlns:r="http://schemas.openxmlformats.org/officeDocument/2006/relationships" xmlns:p="http://schemas.openxmlformats.org/presentationml/2006/main">
+  <p:cSld>
+    <p:spTree>
+      <p:nvGrpSpPr>
+        <p:cNvPr id="1" name=""/>
+        <p:cNvGrpSpPr/>
+        <p:nvPr/>
+      </p:nvGrpSpPr>
+      <p:grpSpPr>
+        <a:xfrm>
+          <a:off x="0" y="0"/>
+          <a:ext cx="0" cy="0"/>
+          <a:chOff x="0" y="0"/>
+          <a:chExt cx="0" cy="0"/>
+        </a:xfrm>
+      </p:grpSpPr>
+      <p:sp>
+        <p:nvSpPr>
+          <p:cNvPr id="2" name="Titre 1">
+            <a:extLst>
+              <a:ext uri="{FF2B5EF4-FFF2-40B4-BE49-F238E27FC236}">
                 <a16:creationId xmlns:a16="http://schemas.microsoft.com/office/drawing/2014/main" id="{BBF1BA33-13C0-479B-A3A9-0DC653701CBD}"/>
               </a:ext>
             </a:extLst>
@@ -7138,7 +7688,7 @@
         </p:blipFill>
         <p:spPr>
           <a:xfrm>
-            <a:off x="831445" y="873065"/>
+            <a:off x="966950" y="873065"/>
             <a:ext cx="9133714" cy="5896946"/>
           </a:xfrm>
           <a:prstGeom prst="rect">
@@ -7175,10 +7725,9 @@
           <a:lstStyle/>
           <a:p>
             <a:r>
-              <a:rPr lang="fr-FR"/>
-              <a:t>6</a:t>
-            </a:r>
-            <a:endParaRPr lang="fr-FR" dirty="0"/>
+              <a:rPr lang="fr-FR" dirty="0"/>
+              <a:t>8</a:t>
+            </a:r>
           </a:p>
         </p:txBody>
       </p:sp>
@@ -7199,6 +7748,125 @@
       </p:transition>
     </mc:Choice>
     <mc:Fallback xmlns="">
+      <p:transition spd="med">
+        <p:fade/>
+      </p:transition>
+    </mc:Fallback>
+  </mc:AlternateContent>
+</p:sld>
+</file>
+
+<file path=ppt/slides/slide9.xml><?xml version="1.0" encoding="utf-8"?>
+<p:sld xmlns:a="http://schemas.openxmlformats.org/drawingml/2006/main" xmlns:r="http://schemas.openxmlformats.org/officeDocument/2006/relationships" xmlns:p="http://schemas.openxmlformats.org/presentationml/2006/main">
+  <p:cSld>
+    <p:spTree>
+      <p:nvGrpSpPr>
+        <p:cNvPr id="1" name=""/>
+        <p:cNvGrpSpPr/>
+        <p:nvPr/>
+      </p:nvGrpSpPr>
+      <p:grpSpPr>
+        <a:xfrm>
+          <a:off x="0" y="0"/>
+          <a:ext cx="0" cy="0"/>
+          <a:chOff x="0" y="0"/>
+          <a:chExt cx="0" cy="0"/>
+        </a:xfrm>
+      </p:grpSpPr>
+      <p:sp>
+        <p:nvSpPr>
+          <p:cNvPr id="2" name="Titre 1">
+            <a:extLst>
+              <a:ext uri="{FF2B5EF4-FFF2-40B4-BE49-F238E27FC236}">
+                <a16:creationId xmlns:a16="http://schemas.microsoft.com/office/drawing/2014/main" id="{ED23BF35-04C5-46D2-BD43-F9E3B6A5FC2C}"/>
+              </a:ext>
+            </a:extLst>
+          </p:cNvPr>
+          <p:cNvSpPr>
+            <a:spLocks noGrp="1"/>
+          </p:cNvSpPr>
+          <p:nvPr>
+            <p:ph type="title"/>
+          </p:nvPr>
+        </p:nvSpPr>
+        <p:spPr>
+          <a:xfrm>
+            <a:off x="1082716" y="516743"/>
+            <a:ext cx="9404723" cy="5824514"/>
+          </a:xfrm>
+        </p:spPr>
+        <p:txBody>
+          <a:bodyPr anchor="ctr"/>
+          <a:lstStyle/>
+          <a:p>
+            <a:pPr algn="ctr"/>
+            <a:r>
+              <a:rPr lang="fr-FR" b="1" dirty="0">
+                <a:effectLst>
+                  <a:outerShdw blurRad="38100" dist="38100" dir="2700000" algn="tl">
+                    <a:srgbClr val="000000">
+                      <a:alpha val="43137"/>
+                    </a:srgbClr>
+                  </a:outerShdw>
+                </a:effectLst>
+              </a:rPr>
+              <a:t>Avez-vous des questions?</a:t>
+            </a:r>
+          </a:p>
+        </p:txBody>
+      </p:sp>
+      <p:sp>
+        <p:nvSpPr>
+          <p:cNvPr id="4" name="ZoneTexte 3">
+            <a:extLst>
+              <a:ext uri="{FF2B5EF4-FFF2-40B4-BE49-F238E27FC236}">
+                <a16:creationId xmlns:a16="http://schemas.microsoft.com/office/drawing/2014/main" id="{ECA3DC21-5F52-4335-BFD2-3E7BB80C9F8D}"/>
+              </a:ext>
+            </a:extLst>
+          </p:cNvPr>
+          <p:cNvSpPr txBox="1"/>
+          <p:nvPr/>
+        </p:nvSpPr>
+        <p:spPr>
+          <a:xfrm>
+            <a:off x="10641908" y="667264"/>
+            <a:ext cx="312906" cy="369332"/>
+          </a:xfrm>
+          <a:prstGeom prst="rect">
+            <a:avLst/>
+          </a:prstGeom>
+          <a:noFill/>
+        </p:spPr>
+        <p:txBody>
+          <a:bodyPr wrap="none" rtlCol="0">
+            <a:spAutoFit/>
+          </a:bodyPr>
+          <a:lstStyle/>
+          <a:p>
+            <a:r>
+              <a:rPr lang="fr-FR" dirty="0"/>
+              <a:t>9</a:t>
+            </a:r>
+          </a:p>
+        </p:txBody>
+      </p:sp>
+    </p:spTree>
+    <p:extLst>
+      <p:ext uri="{BB962C8B-B14F-4D97-AF65-F5344CB8AC3E}">
+        <p14:creationId xmlns:p14="http://schemas.microsoft.com/office/powerpoint/2010/main" val="3882017424"/>
+      </p:ext>
+    </p:extLst>
+  </p:cSld>
+  <p:clrMapOvr>
+    <a:masterClrMapping/>
+  </p:clrMapOvr>
+  <mc:AlternateContent xmlns:mc="http://schemas.openxmlformats.org/markup-compatibility/2006">
+    <mc:Choice xmlns:p14="http://schemas.microsoft.com/office/powerpoint/2010/main" Requires="p14">
+      <p:transition spd="med" p14:dur="700">
+        <p:fade/>
+      </p:transition>
+    </mc:Choice>
+    <mc:Fallback>
       <p:transition spd="med">
         <p:fade/>
       </p:transition>

--- a/Projet Merise.pptx
+++ b/Projet Merise.pptx
@@ -7443,13 +7443,13 @@
   <p:clrMapOvr>
     <a:masterClrMapping/>
   </p:clrMapOvr>
-  <mc:AlternateContent xmlns:mc="http://schemas.openxmlformats.org/markup-compatibility/2006">
-    <mc:Choice xmlns:p14="http://schemas.microsoft.com/office/powerpoint/2010/main" Requires="p14">
+  <mc:AlternateContent xmlns:mc="http://schemas.openxmlformats.org/markup-compatibility/2006" xmlns:p14="http://schemas.microsoft.com/office/powerpoint/2010/main">
+    <mc:Choice Requires="p14">
       <p:transition spd="med" p14:dur="700">
         <p:fade/>
       </p:transition>
     </mc:Choice>
-    <mc:Fallback>
+    <mc:Fallback xmlns="">
       <p:transition spd="med">
         <p:fade/>
       </p:transition>
@@ -7860,13 +7860,13 @@
   <p:clrMapOvr>
     <a:masterClrMapping/>
   </p:clrMapOvr>
-  <mc:AlternateContent xmlns:mc="http://schemas.openxmlformats.org/markup-compatibility/2006">
-    <mc:Choice xmlns:p14="http://schemas.microsoft.com/office/powerpoint/2010/main" Requires="p14">
+  <mc:AlternateContent xmlns:mc="http://schemas.openxmlformats.org/markup-compatibility/2006" xmlns:p14="http://schemas.microsoft.com/office/powerpoint/2010/main">
+    <mc:Choice Requires="p14">
       <p:transition spd="med" p14:dur="700">
         <p:fade/>
       </p:transition>
     </mc:Choice>
-    <mc:Fallback>
+    <mc:Fallback xmlns="">
       <p:transition spd="med">
         <p:fade/>
       </p:transition>
